--- a/Object Oriented Programming FRC Context ArmSystem P2.pptx
+++ b/Object Oriented Programming FRC Context ArmSystem P2.pptx
@@ -5,19 +5,20 @@
     <p:sldMasterId id="2147483714" r:id="rId1"/>
   </p:sldMasterIdLst>
   <p:notesMasterIdLst>
-    <p:notesMasterId r:id="rId12"/>
+    <p:notesMasterId r:id="rId13"/>
   </p:notesMasterIdLst>
   <p:sldIdLst>
     <p:sldId id="256" r:id="rId2"/>
     <p:sldId id="258" r:id="rId3"/>
     <p:sldId id="274" r:id="rId4"/>
     <p:sldId id="266" r:id="rId5"/>
-    <p:sldId id="273" r:id="rId6"/>
-    <p:sldId id="270" r:id="rId7"/>
-    <p:sldId id="269" r:id="rId8"/>
-    <p:sldId id="271" r:id="rId9"/>
-    <p:sldId id="265" r:id="rId10"/>
-    <p:sldId id="263" r:id="rId11"/>
+    <p:sldId id="270" r:id="rId6"/>
+    <p:sldId id="269" r:id="rId7"/>
+    <p:sldId id="271" r:id="rId8"/>
+    <p:sldId id="275" r:id="rId9"/>
+    <p:sldId id="277" r:id="rId10"/>
+    <p:sldId id="265" r:id="rId11"/>
+    <p:sldId id="263" r:id="rId12"/>
   </p:sldIdLst>
   <p:sldSz cx="12192000" cy="6858000"/>
   <p:notesSz cx="6858000" cy="9144000"/>
@@ -209,7 +210,7 @@
           <a:p>
             <a:fld id="{F9C1B0B9-684F-45F6-91B4-DADBEF26290F}" type="datetimeFigureOut">
               <a:rPr lang="en-US" smtClean="0"/>
-              <a:t>11/12/2016</a:t>
+              <a:t>11/16/2016</a:t>
             </a:fld>
             <a:endParaRPr lang="en-US"/>
           </a:p>
@@ -1122,7 +1123,7 @@
           <a:p>
             <a:fld id="{5661C814-0C51-44D7-BAA9-105AE0B6C1A4}" type="datetimeFigureOut">
               <a:rPr lang="en-US" smtClean="0"/>
-              <a:t>11/12/2016</a:t>
+              <a:t>11/16/2016</a:t>
             </a:fld>
             <a:endParaRPr lang="en-US"/>
           </a:p>
@@ -1446,7 +1447,7 @@
           <a:p>
             <a:fld id="{5661C814-0C51-44D7-BAA9-105AE0B6C1A4}" type="datetimeFigureOut">
               <a:rPr lang="en-US" smtClean="0"/>
-              <a:t>11/12/2016</a:t>
+              <a:t>11/16/2016</a:t>
             </a:fld>
             <a:endParaRPr lang="en-US"/>
           </a:p>
@@ -1694,7 +1695,7 @@
           <a:p>
             <a:fld id="{5661C814-0C51-44D7-BAA9-105AE0B6C1A4}" type="datetimeFigureOut">
               <a:rPr lang="en-US" smtClean="0"/>
-              <a:t>11/12/2016</a:t>
+              <a:t>11/16/2016</a:t>
             </a:fld>
             <a:endParaRPr lang="en-US"/>
           </a:p>
@@ -2033,7 +2034,7 @@
           <a:p>
             <a:fld id="{5661C814-0C51-44D7-BAA9-105AE0B6C1A4}" type="datetimeFigureOut">
               <a:rPr lang="en-US" smtClean="0"/>
-              <a:t>11/12/2016</a:t>
+              <a:t>11/16/2016</a:t>
             </a:fld>
             <a:endParaRPr lang="en-US"/>
           </a:p>
@@ -2380,7 +2381,7 @@
           <a:p>
             <a:fld id="{5661C814-0C51-44D7-BAA9-105AE0B6C1A4}" type="datetimeFigureOut">
               <a:rPr lang="en-US" smtClean="0"/>
-              <a:t>11/12/2016</a:t>
+              <a:t>11/16/2016</a:t>
             </a:fld>
             <a:endParaRPr lang="en-US"/>
           </a:p>
@@ -2754,7 +2755,7 @@
           <a:p>
             <a:fld id="{5661C814-0C51-44D7-BAA9-105AE0B6C1A4}" type="datetimeFigureOut">
               <a:rPr lang="en-US" smtClean="0"/>
-              <a:t>11/12/2016</a:t>
+              <a:t>11/16/2016</a:t>
             </a:fld>
             <a:endParaRPr lang="en-US"/>
           </a:p>
@@ -3224,7 +3225,7 @@
           <a:p>
             <a:fld id="{5661C814-0C51-44D7-BAA9-105AE0B6C1A4}" type="datetimeFigureOut">
               <a:rPr lang="en-US" smtClean="0"/>
-              <a:t>11/12/2016</a:t>
+              <a:t>11/16/2016</a:t>
             </a:fld>
             <a:endParaRPr lang="en-US"/>
           </a:p>
@@ -3429,7 +3430,7 @@
           <a:p>
             <a:fld id="{5661C814-0C51-44D7-BAA9-105AE0B6C1A4}" type="datetimeFigureOut">
               <a:rPr lang="en-US" smtClean="0"/>
-              <a:t>11/12/2016</a:t>
+              <a:t>11/16/2016</a:t>
             </a:fld>
             <a:endParaRPr lang="en-US"/>
           </a:p>
@@ -3640,7 +3641,7 @@
           <a:p>
             <a:fld id="{5661C814-0C51-44D7-BAA9-105AE0B6C1A4}" type="datetimeFigureOut">
               <a:rPr lang="en-US" smtClean="0"/>
-              <a:t>11/12/2016</a:t>
+              <a:t>11/16/2016</a:t>
             </a:fld>
             <a:endParaRPr lang="en-US"/>
           </a:p>
@@ -3872,7 +3873,7 @@
           <a:p>
             <a:fld id="{5661C814-0C51-44D7-BAA9-105AE0B6C1A4}" type="datetimeFigureOut">
               <a:rPr lang="en-US" smtClean="0"/>
-              <a:t>11/12/2016</a:t>
+              <a:t>11/16/2016</a:t>
             </a:fld>
             <a:endParaRPr lang="en-US"/>
           </a:p>
@@ -4120,7 +4121,7 @@
           <a:p>
             <a:fld id="{5661C814-0C51-44D7-BAA9-105AE0B6C1A4}" type="datetimeFigureOut">
               <a:rPr lang="en-US" smtClean="0"/>
-              <a:t>11/12/2016</a:t>
+              <a:t>11/16/2016</a:t>
             </a:fld>
             <a:endParaRPr lang="en-US"/>
           </a:p>
@@ -4418,7 +4419,7 @@
           <a:p>
             <a:fld id="{5661C814-0C51-44D7-BAA9-105AE0B6C1A4}" type="datetimeFigureOut">
               <a:rPr lang="en-US" smtClean="0"/>
-              <a:t>11/12/2016</a:t>
+              <a:t>11/16/2016</a:t>
             </a:fld>
             <a:endParaRPr lang="en-US"/>
           </a:p>
@@ -4812,7 +4813,7 @@
           <a:p>
             <a:fld id="{5661C814-0C51-44D7-BAA9-105AE0B6C1A4}" type="datetimeFigureOut">
               <a:rPr lang="en-US" smtClean="0"/>
-              <a:t>11/12/2016</a:t>
+              <a:t>11/16/2016</a:t>
             </a:fld>
             <a:endParaRPr lang="en-US"/>
           </a:p>
@@ -4961,7 +4962,7 @@
           <a:p>
             <a:fld id="{5661C814-0C51-44D7-BAA9-105AE0B6C1A4}" type="datetimeFigureOut">
               <a:rPr lang="en-US" smtClean="0"/>
-              <a:t>11/12/2016</a:t>
+              <a:t>11/16/2016</a:t>
             </a:fld>
             <a:endParaRPr lang="en-US"/>
           </a:p>
@@ -5087,7 +5088,7 @@
           <a:p>
             <a:fld id="{5661C814-0C51-44D7-BAA9-105AE0B6C1A4}" type="datetimeFigureOut">
               <a:rPr lang="en-US" smtClean="0"/>
-              <a:t>11/12/2016</a:t>
+              <a:t>11/16/2016</a:t>
             </a:fld>
             <a:endParaRPr lang="en-US"/>
           </a:p>
@@ -5342,7 +5343,7 @@
           <a:p>
             <a:fld id="{5661C814-0C51-44D7-BAA9-105AE0B6C1A4}" type="datetimeFigureOut">
               <a:rPr lang="en-US" smtClean="0"/>
-              <a:t>11/12/2016</a:t>
+              <a:t>11/16/2016</a:t>
             </a:fld>
             <a:endParaRPr lang="en-US"/>
           </a:p>
@@ -5657,7 +5658,7 @@
           <a:p>
             <a:fld id="{5661C814-0C51-44D7-BAA9-105AE0B6C1A4}" type="datetimeFigureOut">
               <a:rPr lang="en-US" smtClean="0"/>
-              <a:t>11/12/2016</a:t>
+              <a:t>11/16/2016</a:t>
             </a:fld>
             <a:endParaRPr lang="en-US"/>
           </a:p>
@@ -6008,7 +6009,7 @@
           <a:p>
             <a:fld id="{5661C814-0C51-44D7-BAA9-105AE0B6C1A4}" type="datetimeFigureOut">
               <a:rPr lang="en-US" smtClean="0"/>
-              <a:t>11/12/2016</a:t>
+              <a:t>11/16/2016</a:t>
             </a:fld>
             <a:endParaRPr lang="en-US"/>
           </a:p>
@@ -6614,7 +6615,7 @@
             </a:r>
             <a:r>
               <a:rPr lang="en-US" dirty="0"/>
-              <a:t> Example</a:t>
+              <a:t> Example Part 2 – Initialize Home</a:t>
             </a:r>
           </a:p>
         </p:txBody>
@@ -6651,6 +6652,117 @@
       </p:grpSpPr>
       <p:sp>
         <p:nvSpPr>
+          <p:cNvPr id="2" name="Title 1"/>
+          <p:cNvSpPr>
+            <a:spLocks noGrp="1"/>
+          </p:cNvSpPr>
+          <p:nvPr>
+            <p:ph type="ctrTitle"/>
+          </p:nvPr>
+        </p:nvSpPr>
+        <p:spPr>
+          <a:xfrm>
+            <a:off x="1524000" y="1122363"/>
+            <a:ext cx="9144000" cy="1110474"/>
+          </a:xfrm>
+        </p:spPr>
+        <p:txBody>
+          <a:bodyPr/>
+          <a:lstStyle/>
+          <a:p>
+            <a:r>
+              <a:rPr lang="en-US"/>
+              <a:t>EXERCISE</a:t>
+            </a:r>
+            <a:endParaRPr lang="en-US" dirty="0"/>
+          </a:p>
+        </p:txBody>
+      </p:sp>
+      <p:sp>
+        <p:nvSpPr>
+          <p:cNvPr id="3" name="Subtitle 2"/>
+          <p:cNvSpPr>
+            <a:spLocks noGrp="1"/>
+          </p:cNvSpPr>
+          <p:nvPr>
+            <p:ph type="subTitle" idx="1"/>
+          </p:nvPr>
+        </p:nvSpPr>
+        <p:spPr>
+          <a:xfrm>
+            <a:off x="2289810" y="2086646"/>
+            <a:ext cx="7448550" cy="4055074"/>
+          </a:xfrm>
+        </p:spPr>
+        <p:txBody>
+          <a:bodyPr>
+            <a:normAutofit/>
+          </a:bodyPr>
+          <a:lstStyle/>
+          <a:p>
+            <a:r>
+              <a:rPr lang="en-US" sz="3600" dirty="0"/>
+              <a:t>Arm System</a:t>
+            </a:r>
+          </a:p>
+          <a:p>
+            <a:r>
+              <a:rPr lang="en-US" dirty="0"/>
+              <a:t>Move the current Autonomous Command to an Initialize process.</a:t>
+            </a:r>
+          </a:p>
+          <a:p>
+            <a:r>
+              <a:rPr lang="en-US" dirty="0"/>
+              <a:t>Autonomous is done during competition.</a:t>
+            </a:r>
+          </a:p>
+          <a:p>
+            <a:r>
+              <a:rPr lang="en-US" dirty="0"/>
+              <a:t>Wastes time needed to score.</a:t>
+            </a:r>
+          </a:p>
+          <a:p>
+            <a:r>
+              <a:rPr lang="en-US" dirty="0"/>
+              <a:t>Initialize is done at power-up so everything is prepped before the game begins.</a:t>
+            </a:r>
+          </a:p>
+        </p:txBody>
+      </p:sp>
+    </p:spTree>
+    <p:extLst>
+      <p:ext uri="{BB962C8B-B14F-4D97-AF65-F5344CB8AC3E}">
+        <p14:creationId xmlns:p14="http://schemas.microsoft.com/office/powerpoint/2010/main" val="732886656"/>
+      </p:ext>
+    </p:extLst>
+  </p:cSld>
+  <p:clrMapOvr>
+    <a:masterClrMapping/>
+  </p:clrMapOvr>
+</p:sld>
+</file>
+
+<file path=ppt/slides/slide11.xml><?xml version="1.0" encoding="utf-8"?>
+<p:sld xmlns:a="http://schemas.openxmlformats.org/drawingml/2006/main" xmlns:r="http://schemas.openxmlformats.org/officeDocument/2006/relationships" xmlns:p="http://schemas.openxmlformats.org/presentationml/2006/main">
+  <p:cSld>
+    <p:spTree>
+      <p:nvGrpSpPr>
+        <p:cNvPr id="1" name=""/>
+        <p:cNvGrpSpPr/>
+        <p:nvPr/>
+      </p:nvGrpSpPr>
+      <p:grpSpPr>
+        <a:xfrm>
+          <a:off x="0" y="0"/>
+          <a:ext cx="0" cy="0"/>
+          <a:chOff x="0" y="0"/>
+          <a:chExt cx="0" cy="0"/>
+        </a:xfrm>
+      </p:grpSpPr>
+      <p:sp>
+        <p:nvSpPr>
           <p:cNvPr id="2" name="TextBox 1"/>
           <p:cNvSpPr txBox="1"/>
           <p:nvPr/>
@@ -6812,72 +6924,6 @@
           <a:chExt cx="0" cy="0"/>
         </a:xfrm>
       </p:grpSpPr>
-      <p:sp>
-        <p:nvSpPr>
-          <p:cNvPr id="7" name="Oval 6"/>
-          <p:cNvSpPr/>
-          <p:nvPr/>
-        </p:nvSpPr>
-        <p:spPr>
-          <a:xfrm>
-            <a:off x="4423410" y="811530"/>
-            <a:ext cx="3863340" cy="4240530"/>
-          </a:xfrm>
-          <a:prstGeom prst="ellipse">
-            <a:avLst/>
-          </a:prstGeom>
-          <a:solidFill>
-            <a:schemeClr val="accent1">
-              <a:lumMod val="40000"/>
-              <a:lumOff val="60000"/>
-            </a:schemeClr>
-          </a:solidFill>
-        </p:spPr>
-        <p:style>
-          <a:lnRef idx="2">
-            <a:schemeClr val="accent1">
-              <a:shade val="50000"/>
-            </a:schemeClr>
-          </a:lnRef>
-          <a:fillRef idx="1">
-            <a:schemeClr val="accent1"/>
-          </a:fillRef>
-          <a:effectRef idx="0">
-            <a:schemeClr val="accent1"/>
-          </a:effectRef>
-          <a:fontRef idx="minor">
-            <a:schemeClr val="lt1"/>
-          </a:fontRef>
-        </p:style>
-        <p:txBody>
-          <a:bodyPr rtlCol="0" anchor="ctr"/>
-          <a:lstStyle/>
-          <a:p>
-            <a:pPr algn="ctr"/>
-            <a:r>
-              <a:rPr lang="en-US" sz="2400" dirty="0" err="1">
-                <a:solidFill>
-                  <a:schemeClr val="tx1"/>
-                </a:solidFill>
-              </a:rPr>
-              <a:t>PIDController</a:t>
-            </a:r>
-            <a:endParaRPr lang="en-US" sz="2400" dirty="0">
-              <a:solidFill>
-                <a:schemeClr val="tx1"/>
-              </a:solidFill>
-            </a:endParaRPr>
-          </a:p>
-          <a:p>
-            <a:pPr algn="ctr"/>
-            <a:endParaRPr lang="en-US" sz="2400" dirty="0">
-              <a:solidFill>
-                <a:schemeClr val="tx1"/>
-              </a:solidFill>
-            </a:endParaRPr>
-          </a:p>
-        </p:txBody>
-      </p:sp>
       <p:sp>
         <p:nvSpPr>
           <p:cNvPr id="2" name="Oval 1"/>
@@ -7289,7 +7335,7 @@
                                           </p:stCondLst>
                                         </p:cTn>
                                         <p:tgtEl>
-                                          <p:spTgt spid="7"/>
+                                          <p:spTgt spid="4"/>
                                         </p:tgtEl>
                                         <p:attrNameLst>
                                           <p:attrName>style.visibility</p:attrName>
@@ -7303,7 +7349,7 @@
                                       <p:cBhvr>
                                         <p:cTn id="7" dur="2000"/>
                                         <p:tgtEl>
-                                          <p:spTgt spid="7"/>
+                                          <p:spTgt spid="4"/>
                                         </p:tgtEl>
                                       </p:cBhvr>
                                     </p:animEffect>
@@ -7342,7 +7388,7 @@
                                           </p:stCondLst>
                                         </p:cTn>
                                         <p:tgtEl>
-                                          <p:spTgt spid="4"/>
+                                          <p:spTgt spid="6"/>
                                         </p:tgtEl>
                                         <p:attrNameLst>
                                           <p:attrName>style.visibility</p:attrName>
@@ -7355,59 +7401,6 @@
                                     <p:animEffect transition="in" filter="circle(in)">
                                       <p:cBhvr>
                                         <p:cTn id="12" dur="2000"/>
-                                        <p:tgtEl>
-                                          <p:spTgt spid="4"/>
-                                        </p:tgtEl>
-                                      </p:cBhvr>
-                                    </p:animEffect>
-                                  </p:childTnLst>
-                                </p:cTn>
-                              </p:par>
-                            </p:childTnLst>
-                          </p:cTn>
-                        </p:par>
-                      </p:childTnLst>
-                    </p:cTn>
-                  </p:par>
-                  <p:par>
-                    <p:cTn id="13" fill="hold">
-                      <p:stCondLst>
-                        <p:cond delay="indefinite"/>
-                      </p:stCondLst>
-                      <p:childTnLst>
-                        <p:par>
-                          <p:cTn id="14" fill="hold">
-                            <p:stCondLst>
-                              <p:cond delay="0"/>
-                            </p:stCondLst>
-                            <p:childTnLst>
-                              <p:par>
-                                <p:cTn id="15" presetID="6" presetClass="entr" presetSubtype="16" fill="hold" grpId="0" nodeType="clickEffect">
-                                  <p:stCondLst>
-                                    <p:cond delay="0"/>
-                                  </p:stCondLst>
-                                  <p:childTnLst>
-                                    <p:set>
-                                      <p:cBhvr>
-                                        <p:cTn id="16" dur="1" fill="hold">
-                                          <p:stCondLst>
-                                            <p:cond delay="0"/>
-                                          </p:stCondLst>
-                                        </p:cTn>
-                                        <p:tgtEl>
-                                          <p:spTgt spid="6"/>
-                                        </p:tgtEl>
-                                        <p:attrNameLst>
-                                          <p:attrName>style.visibility</p:attrName>
-                                        </p:attrNameLst>
-                                      </p:cBhvr>
-                                      <p:to>
-                                        <p:strVal val="visible"/>
-                                      </p:to>
-                                    </p:set>
-                                    <p:animEffect transition="in" filter="circle(in)">
-                                      <p:cBhvr>
-                                        <p:cTn id="17" dur="2000"/>
                                         <p:tgtEl>
                                           <p:spTgt spid="6"/>
                                         </p:tgtEl>
@@ -7444,7 +7437,6 @@
       </p:par>
     </p:tnLst>
     <p:bldLst>
-      <p:bldP spid="7" grpId="0" animBg="1"/>
       <p:bldP spid="4" grpId="0" animBg="1"/>
       <p:bldP spid="6" grpId="0"/>
     </p:bldLst>
@@ -8161,8 +8153,8 @@
         </p:nvSpPr>
         <p:spPr>
           <a:xfrm>
-            <a:off x="1174186" y="1667652"/>
-            <a:ext cx="5386475" cy="3693319"/>
+            <a:off x="1095022" y="1457616"/>
+            <a:ext cx="5386475" cy="3970318"/>
           </a:xfrm>
           <a:prstGeom prst="rect">
             <a:avLst/>
@@ -8205,87 +8197,19 @@
           <a:p>
             <a:r>
               <a:rPr lang="en-US" b="1" dirty="0"/>
-              <a:t>public void </a:t>
-            </a:r>
-            <a:r>
-              <a:rPr lang="en-US" b="1" u="sng" dirty="0" err="1"/>
-              <a:t>ArmLinearActuator</a:t>
-            </a:r>
-            <a:r>
-              <a:rPr lang="en-US" b="1" u="sng" dirty="0"/>
-              <a:t>() {</a:t>
-            </a:r>
-          </a:p>
-          <a:p>
-            <a:r>
-              <a:rPr lang="en-US" dirty="0"/>
-              <a:t>    </a:t>
+              <a:t>public </a:t>
+            </a:r>
+            <a:r>
+              <a:rPr lang="en-US" b="1" dirty="0" err="1"/>
+              <a:t>boolean</a:t>
             </a:r>
             <a:r>
               <a:rPr lang="en-US" b="1" dirty="0"/>
-              <a:t>if (</a:t>
+              <a:t> </a:t>
             </a:r>
             <a:r>
               <a:rPr lang="en-US" b="1" dirty="0" err="1"/>
-              <a:t>invMotor</a:t>
-            </a:r>
-            <a:r>
-              <a:rPr lang="en-US" b="1" dirty="0"/>
-              <a:t>) {</a:t>
-            </a:r>
-          </a:p>
-          <a:p>
-            <a:r>
-              <a:rPr lang="en-US" dirty="0"/>
-              <a:t>    	</a:t>
-            </a:r>
-            <a:r>
-              <a:rPr lang="en-US" dirty="0" err="1"/>
-              <a:t>armLiftMotor.setInverted</a:t>
-            </a:r>
-            <a:r>
-              <a:rPr lang="en-US" dirty="0"/>
-              <a:t>(</a:t>
-            </a:r>
-            <a:r>
-              <a:rPr lang="en-US" dirty="0" err="1"/>
-              <a:t>invMotor</a:t>
-            </a:r>
-            <a:r>
-              <a:rPr lang="en-US" dirty="0"/>
-              <a:t>);</a:t>
-            </a:r>
-          </a:p>
-          <a:p>
-            <a:r>
-              <a:rPr lang="en-US" dirty="0"/>
-              <a:t>    }</a:t>
-            </a:r>
-          </a:p>
-          <a:p>
-            <a:r>
-              <a:rPr lang="en-US" dirty="0"/>
-              <a:t> }</a:t>
-            </a:r>
-          </a:p>
-          <a:p>
-            <a:r>
-              <a:rPr lang="en-US" dirty="0"/>
-              <a:t>    </a:t>
-            </a:r>
-          </a:p>
-          <a:p>
-            <a:r>
-              <a:rPr lang="en-US" dirty="0"/>
-              <a:t> </a:t>
-            </a:r>
-            <a:r>
-              <a:rPr lang="en-US" b="1" dirty="0"/>
-              <a:t>public void </a:t>
-            </a:r>
-            <a:r>
-              <a:rPr lang="en-US" b="1" dirty="0" err="1"/>
-              <a:t>initDefaultCommand</a:t>
+              <a:t>isTop</a:t>
             </a:r>
             <a:r>
               <a:rPr lang="en-US" b="1" dirty="0"/>
@@ -8295,53 +8219,144 @@
           <a:p>
             <a:r>
               <a:rPr lang="en-US" dirty="0"/>
-              <a:t>      </a:t>
-            </a:r>
-            <a:r>
-              <a:rPr lang="en-US" dirty="0" err="1"/>
-              <a:t>setDefaultCommand</a:t>
-            </a:r>
-            <a:r>
-              <a:rPr lang="en-US" dirty="0"/>
-              <a:t>(</a:t>
+              <a:t>    </a:t>
             </a:r>
             <a:r>
               <a:rPr lang="en-US" b="1" dirty="0"/>
-              <a:t>new </a:t>
+              <a:t>return !</a:t>
             </a:r>
             <a:r>
               <a:rPr lang="en-US" b="1" dirty="0" err="1"/>
-              <a:t>JoystickArmMove</a:t>
+              <a:t>topLimSw.get</a:t>
             </a:r>
             <a:r>
               <a:rPr lang="en-US" b="1" dirty="0"/>
-              <a:t>());</a:t>
-            </a:r>
-          </a:p>
-          <a:p>
-            <a:r>
-              <a:rPr lang="en-US" dirty="0"/>
-              <a:t> }</a:t>
-            </a:r>
-          </a:p>
-          <a:p>
-            <a:r>
-              <a:rPr lang="en-US" dirty="0"/>
+              <a:t>();</a:t>
+            </a:r>
+          </a:p>
+          <a:p>
+            <a:r>
+              <a:rPr lang="en-US" dirty="0"/>
+              <a:t>}</a:t>
+            </a:r>
+          </a:p>
+          <a:p>
+            <a:r>
+              <a:rPr lang="en-US" dirty="0"/>
+              <a:t>    </a:t>
+            </a:r>
+          </a:p>
+          <a:p>
+            <a:r>
+              <a:rPr lang="en-US" b="1" dirty="0"/>
+              <a:t>public </a:t>
+            </a:r>
+            <a:r>
+              <a:rPr lang="en-US" b="1" dirty="0" err="1"/>
+              <a:t>boolean</a:t>
+            </a:r>
+            <a:r>
+              <a:rPr lang="en-US" b="1" dirty="0"/>
               <a:t> </a:t>
             </a:r>
-          </a:p>
-        </p:txBody>
-      </p:sp>
-      <p:sp>
-        <p:nvSpPr>
-          <p:cNvPr id="4" name="TextBox 3"/>
+            <a:r>
+              <a:rPr lang="en-US" b="1" dirty="0" err="1"/>
+              <a:t>isBottom</a:t>
+            </a:r>
+            <a:r>
+              <a:rPr lang="en-US" b="1" dirty="0"/>
+              <a:t>() {</a:t>
+            </a:r>
+          </a:p>
+          <a:p>
+            <a:r>
+              <a:rPr lang="en-US" dirty="0"/>
+              <a:t>    </a:t>
+            </a:r>
+            <a:r>
+              <a:rPr lang="en-US" b="1" dirty="0"/>
+              <a:t>return !</a:t>
+            </a:r>
+            <a:r>
+              <a:rPr lang="en-US" b="1" dirty="0" err="1"/>
+              <a:t>scoopLimSw.get</a:t>
+            </a:r>
+            <a:r>
+              <a:rPr lang="en-US" b="1" dirty="0"/>
+              <a:t>();</a:t>
+            </a:r>
+          </a:p>
+          <a:p>
+            <a:r>
+              <a:rPr lang="en-US" dirty="0"/>
+              <a:t>}</a:t>
+            </a:r>
+          </a:p>
+          <a:p>
+            <a:endParaRPr lang="en-US" dirty="0"/>
+          </a:p>
+          <a:p>
+            <a:r>
+              <a:rPr lang="en-US" dirty="0"/>
+              <a:t> </a:t>
+            </a:r>
+            <a:r>
+              <a:rPr lang="en-US" b="1" dirty="0"/>
+              <a:t>public </a:t>
+            </a:r>
+            <a:r>
+              <a:rPr lang="en-US" b="1" dirty="0" err="1"/>
+              <a:t>boolean</a:t>
+            </a:r>
+            <a:r>
+              <a:rPr lang="en-US" b="1" dirty="0"/>
+              <a:t> </a:t>
+            </a:r>
+            <a:r>
+              <a:rPr lang="en-US" b="1" dirty="0" err="1"/>
+              <a:t>isHome</a:t>
+            </a:r>
+            <a:r>
+              <a:rPr lang="en-US" b="1" dirty="0"/>
+              <a:t>() {</a:t>
+            </a:r>
+          </a:p>
+          <a:p>
+            <a:r>
+              <a:rPr lang="en-US" dirty="0"/>
+              <a:t>    </a:t>
+            </a:r>
+            <a:r>
+              <a:rPr lang="en-US" b="1" dirty="0"/>
+              <a:t>return !</a:t>
+            </a:r>
+            <a:r>
+              <a:rPr lang="en-US" b="1" dirty="0" err="1"/>
+              <a:t>homeLocSw.get</a:t>
+            </a:r>
+            <a:r>
+              <a:rPr lang="en-US" b="1" dirty="0"/>
+              <a:t>();</a:t>
+            </a:r>
+          </a:p>
+          <a:p>
+            <a:r>
+              <a:rPr lang="en-US" dirty="0"/>
+              <a:t>}</a:t>
+            </a:r>
+          </a:p>
+        </p:txBody>
+      </p:sp>
+      <p:sp>
+        <p:nvSpPr>
+          <p:cNvPr id="3" name="TextBox 2"/>
           <p:cNvSpPr txBox="1"/>
           <p:nvPr/>
         </p:nvSpPr>
         <p:spPr>
           <a:xfrm>
-            <a:off x="6812280" y="1667652"/>
-            <a:ext cx="4507761" cy="3416320"/>
+            <a:off x="6585996" y="1042118"/>
+            <a:ext cx="4548850" cy="4801314"/>
           </a:xfrm>
           <a:prstGeom prst="rect">
             <a:avLst/>
@@ -8356,7 +8371,15 @@
           <a:p>
             <a:r>
               <a:rPr lang="en-US" dirty="0"/>
-              <a:t>Housekeeping code</a:t>
+              <a:t>Limit Switches for the Top and Bottom of the </a:t>
+            </a:r>
+            <a:r>
+              <a:rPr lang="en-US" dirty="0" err="1"/>
+              <a:t>LinearActuator</a:t>
+            </a:r>
+            <a:r>
+              <a:rPr lang="en-US" dirty="0"/>
+              <a:t>.  </a:t>
             </a:r>
           </a:p>
           <a:p>
@@ -8365,15 +8388,7 @@
           <a:p>
             <a:r>
               <a:rPr lang="en-US" dirty="0"/>
-              <a:t>Method </a:t>
-            </a:r>
-            <a:r>
-              <a:rPr lang="en-US" dirty="0" err="1"/>
-              <a:t>ArmLinearActuator</a:t>
-            </a:r>
-            <a:r>
-              <a:rPr lang="en-US" dirty="0"/>
-              <a:t> is a “constructor” method that gets invoked when the class is instantiated.  More later…</a:t>
+              <a:t>Plus a “Home” switch to tell us when the arm is in a known position.  This provides a point of reference for future angle settings.</a:t>
             </a:r>
           </a:p>
           <a:p>
@@ -8381,20 +8396,8 @@
           </a:p>
           <a:p>
             <a:r>
-              <a:rPr lang="en-US" dirty="0" err="1"/>
-              <a:t>initDefaultCommand</a:t>
-            </a:r>
-            <a:r>
-              <a:rPr lang="en-US" dirty="0"/>
-              <a:t> names the default command (if any) for the subsystem.  In this example, it’s </a:t>
-            </a:r>
-            <a:r>
-              <a:rPr lang="en-US" dirty="0" err="1"/>
-              <a:t>JoystickArmMove</a:t>
-            </a:r>
-            <a:r>
-              <a:rPr lang="en-US" dirty="0"/>
-              <a:t>.</a:t>
+              <a:rPr lang="en-US" dirty="0"/>
+              <a:t>There needs to be communication again between Programming and Electrical/Mechanical about the type of switch being used.</a:t>
             </a:r>
           </a:p>
           <a:p>
@@ -8403,7 +8406,22 @@
           <a:p>
             <a:r>
               <a:rPr lang="en-US" dirty="0"/>
-              <a:t>The default command will be in effect when no other command is active.</a:t>
+              <a:t>Normally Open read true unless held in.</a:t>
+            </a:r>
+          </a:p>
+          <a:p>
+            <a:r>
+              <a:rPr lang="en-US" dirty="0"/>
+              <a:t>Normally Closed read false unless held in.</a:t>
+            </a:r>
+          </a:p>
+          <a:p>
+            <a:endParaRPr lang="en-US" dirty="0"/>
+          </a:p>
+          <a:p>
+            <a:r>
+              <a:rPr lang="en-US" dirty="0"/>
+              <a:t>Normally Open were used here, so the ! (not) inverts the Boolean to provide the logically correct true/false return.</a:t>
             </a:r>
           </a:p>
         </p:txBody>
@@ -8411,7 +8429,7 @@
     </p:spTree>
     <p:extLst>
       <p:ext uri="{BB962C8B-B14F-4D97-AF65-F5344CB8AC3E}">
-        <p14:creationId xmlns:p14="http://schemas.microsoft.com/office/powerpoint/2010/main" val="1191368127"/>
+        <p14:creationId xmlns:p14="http://schemas.microsoft.com/office/powerpoint/2010/main" val="1263227285"/>
       </p:ext>
     </p:extLst>
   </p:cSld>
@@ -8446,8 +8464,8 @@
         </p:nvSpPr>
         <p:spPr>
           <a:xfrm>
-            <a:off x="1083733" y="1851377"/>
-            <a:ext cx="5386475" cy="2862322"/>
+            <a:off x="937119" y="1194431"/>
+            <a:ext cx="7235331" cy="4247317"/>
           </a:xfrm>
           <a:prstGeom prst="rect">
             <a:avLst/>
@@ -8460,49 +8478,18 @@
           </a:ln>
         </p:spPr>
         <p:txBody>
-          <a:bodyPr wrap="none" rtlCol="0">
+          <a:bodyPr wrap="square" rtlCol="0">
             <a:spAutoFit/>
           </a:bodyPr>
           <a:lstStyle/>
           <a:p>
             <a:r>
               <a:rPr lang="en-US" b="1" dirty="0"/>
-              <a:t>public class </a:t>
+              <a:t>public void </a:t>
             </a:r>
             <a:r>
               <a:rPr lang="en-US" b="1" dirty="0" err="1"/>
-              <a:t>ArmLinearActuator</a:t>
-            </a:r>
-            <a:r>
-              <a:rPr lang="en-US" b="1" dirty="0"/>
-              <a:t> extends Subsystem {</a:t>
-            </a:r>
-          </a:p>
-          <a:p>
-            <a:r>
-              <a:rPr lang="en-US" b="1" dirty="0"/>
-              <a:t>Cont.</a:t>
-            </a:r>
-          </a:p>
-          <a:p>
-            <a:endParaRPr lang="en-US" b="1" dirty="0"/>
-          </a:p>
-          <a:p>
-            <a:r>
-              <a:rPr lang="en-US" b="1" dirty="0"/>
-              <a:t>public </a:t>
-            </a:r>
-            <a:r>
-              <a:rPr lang="en-US" b="1" dirty="0" err="1"/>
-              <a:t>boolean</a:t>
-            </a:r>
-            <a:r>
-              <a:rPr lang="en-US" b="1" dirty="0"/>
-              <a:t> </a:t>
-            </a:r>
-            <a:r>
-              <a:rPr lang="en-US" b="1" dirty="0" err="1"/>
-              <a:t>isTop</a:t>
+              <a:t>moveUp</a:t>
             </a:r>
             <a:r>
               <a:rPr lang="en-US" b="1" dirty="0"/>
@@ -8516,15 +8503,29 @@
             </a:r>
             <a:r>
               <a:rPr lang="en-US" b="1" dirty="0"/>
-              <a:t>return !</a:t>
+              <a:t>double speed = 1 * </a:t>
             </a:r>
             <a:r>
               <a:rPr lang="en-US" b="1" dirty="0" err="1"/>
-              <a:t>topLimSw.get</a:t>
+              <a:t>invSpeed</a:t>
             </a:r>
             <a:r>
               <a:rPr lang="en-US" b="1" dirty="0"/>
-              <a:t>();</a:t>
+              <a:t>;</a:t>
+            </a:r>
+          </a:p>
+          <a:p>
+            <a:r>
+              <a:rPr lang="en-US" dirty="0"/>
+              <a:t>      </a:t>
+            </a:r>
+            <a:r>
+              <a:rPr lang="en-US" dirty="0" err="1"/>
+              <a:t>moveArm</a:t>
+            </a:r>
+            <a:r>
+              <a:rPr lang="en-US" dirty="0"/>
+              <a:t>(speed);</a:t>
             </a:r>
           </a:p>
           <a:p>
@@ -8535,26 +8536,16 @@
           </a:p>
           <a:p>
             <a:r>
-              <a:rPr lang="en-US" dirty="0"/>
-              <a:t>    </a:t>
-            </a:r>
-          </a:p>
-          <a:p>
+              <a:rPr lang="en-US" b="1"/>
+              <a:t>public </a:t>
+            </a:r>
             <a:r>
               <a:rPr lang="en-US" b="1" dirty="0"/>
-              <a:t>public </a:t>
+              <a:t>void </a:t>
             </a:r>
             <a:r>
               <a:rPr lang="en-US" b="1" dirty="0" err="1"/>
-              <a:t>boolean</a:t>
-            </a:r>
-            <a:r>
-              <a:rPr lang="en-US" b="1" dirty="0"/>
-              <a:t> </a:t>
-            </a:r>
-            <a:r>
-              <a:rPr lang="en-US" b="1" dirty="0" err="1"/>
-              <a:t>isBottom</a:t>
+              <a:t>moveDown</a:t>
             </a:r>
             <a:r>
               <a:rPr lang="en-US" b="1" dirty="0"/>
@@ -8568,35 +8559,140 @@
             </a:r>
             <a:r>
               <a:rPr lang="en-US" b="1" dirty="0"/>
-              <a:t>return !</a:t>
+              <a:t>double speed = -1 * </a:t>
             </a:r>
             <a:r>
               <a:rPr lang="en-US" b="1" dirty="0" err="1"/>
-              <a:t>scoopLimSw.get</a:t>
+              <a:t>invSpeed</a:t>
             </a:r>
             <a:r>
               <a:rPr lang="en-US" b="1" dirty="0"/>
+              <a:t>;</a:t>
+            </a:r>
+          </a:p>
+          <a:p>
+            <a:r>
+              <a:rPr lang="en-US" dirty="0"/>
+              <a:t>       </a:t>
+            </a:r>
+            <a:r>
+              <a:rPr lang="en-US" dirty="0" err="1"/>
+              <a:t>moveArm</a:t>
+            </a:r>
+            <a:r>
+              <a:rPr lang="en-US" dirty="0"/>
+              <a:t>(speed);</a:t>
+            </a:r>
+          </a:p>
+          <a:p>
+            <a:r>
+              <a:rPr lang="en-US" dirty="0"/>
+              <a:t>}</a:t>
+            </a:r>
+          </a:p>
+          <a:p>
+            <a:r>
+              <a:rPr lang="en-US" dirty="0"/>
+              <a:t> </a:t>
+            </a:r>
+            <a:r>
+              <a:rPr lang="en-US" b="1" dirty="0"/>
+              <a:t>public void </a:t>
+            </a:r>
+            <a:r>
+              <a:rPr lang="en-US" b="1" dirty="0" err="1"/>
+              <a:t>stopArm</a:t>
+            </a:r>
+            <a:r>
+              <a:rPr lang="en-US" b="1" dirty="0"/>
+              <a:t>() {</a:t>
+            </a:r>
+          </a:p>
+          <a:p>
+            <a:r>
+              <a:rPr lang="en-US" dirty="0"/>
+              <a:t>       </a:t>
+            </a:r>
+            <a:r>
+              <a:rPr lang="en-US" b="1" dirty="0"/>
+              <a:t>if (</a:t>
+            </a:r>
+            <a:r>
+              <a:rPr lang="en-US" b="1" dirty="0" err="1"/>
+              <a:t>armPID.isEnabled</a:t>
+            </a:r>
+            <a:r>
+              <a:rPr lang="en-US" b="1" dirty="0"/>
+              <a:t>()) {</a:t>
+            </a:r>
+          </a:p>
+          <a:p>
+            <a:r>
+              <a:rPr lang="en-US" dirty="0"/>
+              <a:t>      	 </a:t>
+            </a:r>
+            <a:r>
+              <a:rPr lang="en-US" dirty="0" err="1"/>
+              <a:t>armPID.reset</a:t>
+            </a:r>
+            <a:r>
+              <a:rPr lang="en-US" dirty="0"/>
               <a:t>();</a:t>
             </a:r>
           </a:p>
           <a:p>
             <a:r>
               <a:rPr lang="en-US" dirty="0"/>
+              <a:t>       	 </a:t>
+            </a:r>
+            <a:r>
+              <a:rPr lang="en-US" dirty="0" err="1"/>
+              <a:t>armPID.disable</a:t>
+            </a:r>
+            <a:r>
+              <a:rPr lang="en-US" dirty="0"/>
+              <a:t>();</a:t>
+            </a:r>
+          </a:p>
+          <a:p>
+            <a:r>
+              <a:rPr lang="en-US" dirty="0"/>
+              <a:t>       }</a:t>
+            </a:r>
+          </a:p>
+          <a:p>
+            <a:r>
+              <a:rPr lang="en-US" dirty="0"/>
+              <a:t>    </a:t>
+            </a:r>
+            <a:r>
+              <a:rPr lang="en-US" dirty="0" err="1"/>
+              <a:t>moveArm</a:t>
+            </a:r>
+            <a:r>
+              <a:rPr lang="en-US" dirty="0"/>
+              <a:t>(0);</a:t>
+            </a:r>
+          </a:p>
+          <a:p>
+            <a:r>
+              <a:rPr lang="en-US" dirty="0"/>
               <a:t>}</a:t>
             </a:r>
-          </a:p>
-        </p:txBody>
-      </p:sp>
-      <p:sp>
-        <p:nvSpPr>
-          <p:cNvPr id="3" name="TextBox 2"/>
+            <a:endParaRPr lang="en-US" sz="1600" dirty="0"/>
+          </a:p>
+        </p:txBody>
+      </p:sp>
+      <p:sp>
+        <p:nvSpPr>
+          <p:cNvPr id="4" name="TextBox 3"/>
           <p:cNvSpPr txBox="1"/>
           <p:nvPr/>
         </p:nvSpPr>
         <p:spPr>
           <a:xfrm>
-            <a:off x="6585996" y="1180618"/>
-            <a:ext cx="4548850" cy="4524315"/>
+            <a:off x="8389620" y="1194431"/>
+            <a:ext cx="3035027" cy="3693319"/>
           </a:xfrm>
           <a:prstGeom prst="rect">
             <a:avLst/>
@@ -8611,23 +8707,41 @@
           <a:p>
             <a:r>
               <a:rPr lang="en-US" dirty="0"/>
-              <a:t>Limit Switches for the Top and Bottom of the </a:t>
+              <a:t>Fixed operation move methods to adjust the arm up or down or stopped as specified.</a:t>
+            </a:r>
+          </a:p>
+          <a:p>
+            <a:endParaRPr lang="en-US" dirty="0"/>
+          </a:p>
+          <a:p>
+            <a:r>
+              <a:rPr lang="en-US" dirty="0"/>
+              <a:t>They use the common “</a:t>
             </a:r>
             <a:r>
               <a:rPr lang="en-US" dirty="0" err="1"/>
-              <a:t>LinearActuator</a:t>
-            </a:r>
-            <a:r>
-              <a:rPr lang="en-US" dirty="0"/>
-              <a:t>.  These are </a:t>
+              <a:t>moveArm</a:t>
+            </a:r>
+            <a:r>
+              <a:rPr lang="en-US" dirty="0"/>
+              <a:t>” method.</a:t>
+            </a:r>
+          </a:p>
+          <a:p>
+            <a:endParaRPr lang="en-US" dirty="0"/>
+          </a:p>
+          <a:p>
+            <a:r>
+              <a:rPr lang="en-US" dirty="0"/>
+              <a:t>Why not have the calling process directly invoke the </a:t>
             </a:r>
             <a:r>
               <a:rPr lang="en-US" dirty="0" err="1"/>
-              <a:t>DigitalInput</a:t>
-            </a:r>
-            <a:r>
-              <a:rPr lang="en-US" dirty="0"/>
-              <a:t> objects, so the most common thing we need to do is “get” the Boolean value telling us if the switch is open (true) or closed (false).</a:t>
+              <a:t>moveArm</a:t>
+            </a:r>
+            <a:r>
+              <a:rPr lang="en-US" dirty="0"/>
+              <a:t> with an appropriate speed setting?</a:t>
             </a:r>
           </a:p>
           <a:p>
@@ -8636,31 +8750,7 @@
           <a:p>
             <a:r>
               <a:rPr lang="en-US" dirty="0"/>
-              <a:t>There needs to be communication again between Programming and Electrical/Mechanical about the type of switch being used.</a:t>
-            </a:r>
-          </a:p>
-          <a:p>
-            <a:endParaRPr lang="en-US" dirty="0"/>
-          </a:p>
-          <a:p>
-            <a:r>
-              <a:rPr lang="en-US" dirty="0"/>
-              <a:t>Normally Open read true unless held in.</a:t>
-            </a:r>
-          </a:p>
-          <a:p>
-            <a:r>
-              <a:rPr lang="en-US" dirty="0"/>
-              <a:t>Normally Closed read false unless held in.</a:t>
-            </a:r>
-          </a:p>
-          <a:p>
-            <a:endParaRPr lang="en-US" dirty="0"/>
-          </a:p>
-          <a:p>
-            <a:r>
-              <a:rPr lang="en-US" dirty="0"/>
-              <a:t>Normally Open were used here, so the ! (not) inverts the Boolean to provide the logically correct true/false return.</a:t>
+              <a:t>Which would be better?</a:t>
             </a:r>
           </a:p>
         </p:txBody>
@@ -8668,7 +8758,7 @@
     </p:spTree>
     <p:extLst>
       <p:ext uri="{BB962C8B-B14F-4D97-AF65-F5344CB8AC3E}">
-        <p14:creationId xmlns:p14="http://schemas.microsoft.com/office/powerpoint/2010/main" val="1263227285"/>
+        <p14:creationId xmlns:p14="http://schemas.microsoft.com/office/powerpoint/2010/main" val="2476273519"/>
       </p:ext>
     </p:extLst>
   </p:cSld>
@@ -8703,8 +8793,8 @@
         </p:nvSpPr>
         <p:spPr>
           <a:xfrm>
-            <a:off x="937119" y="1194431"/>
-            <a:ext cx="7235331" cy="4524315"/>
+            <a:off x="857955" y="664070"/>
+            <a:ext cx="5874557" cy="5693866"/>
           </a:xfrm>
           <a:prstGeom prst="rect">
             <a:avLst/>
@@ -8717,207 +8807,273 @@
           </a:ln>
         </p:spPr>
         <p:txBody>
-          <a:bodyPr wrap="square" rtlCol="0">
+          <a:bodyPr wrap="none" rtlCol="0">
             <a:spAutoFit/>
           </a:bodyPr>
           <a:lstStyle/>
           <a:p>
             <a:r>
-              <a:rPr lang="en-US" sz="1600" b="1" dirty="0"/>
-              <a:t>public void </a:t>
-            </a:r>
-            <a:r>
-              <a:rPr lang="en-US" sz="1600" b="1" dirty="0" err="1"/>
-              <a:t>moveArm</a:t>
-            </a:r>
-            <a:r>
-              <a:rPr lang="en-US" sz="1600" b="1" dirty="0"/>
-              <a:t>(double speed) {</a:t>
-            </a:r>
-          </a:p>
-          <a:p>
-            <a:r>
-              <a:rPr lang="en-US" sz="1600" dirty="0"/>
+              <a:rPr lang="en-US" sz="1400" b="1" dirty="0"/>
+              <a:t>public class </a:t>
+            </a:r>
+            <a:r>
+              <a:rPr lang="en-US" sz="1400" b="1" dirty="0" err="1"/>
+              <a:t>ArmOffHome</a:t>
+            </a:r>
+            <a:r>
+              <a:rPr lang="en-US" sz="1400" b="1" dirty="0"/>
+              <a:t> extends Command {</a:t>
+            </a:r>
+          </a:p>
+          <a:p>
+            <a:r>
+              <a:rPr lang="en-US" sz="1400" dirty="0"/>
               <a:t>    </a:t>
             </a:r>
-          </a:p>
-          <a:p>
-            <a:r>
-              <a:rPr lang="en-US" sz="1600" dirty="0"/>
+            <a:r>
+              <a:rPr lang="en-US" sz="1400" b="1" dirty="0"/>
+              <a:t>public </a:t>
+            </a:r>
+            <a:r>
+              <a:rPr lang="en-US" sz="1400" b="1" dirty="0" err="1"/>
+              <a:t>ArmOffHome</a:t>
+            </a:r>
+            <a:r>
+              <a:rPr lang="en-US" sz="1400" b="1" dirty="0"/>
+              <a:t>() {</a:t>
+            </a:r>
+          </a:p>
+          <a:p>
+            <a:r>
+              <a:rPr lang="en-US" sz="1400" dirty="0"/>
+              <a:t>        requires(</a:t>
+            </a:r>
+            <a:r>
+              <a:rPr lang="en-US" sz="1400" dirty="0" err="1"/>
+              <a:t>Robot.</a:t>
+            </a:r>
+            <a:r>
+              <a:rPr lang="en-US" sz="1400" i="1" dirty="0" err="1"/>
+              <a:t>armSubSys</a:t>
+            </a:r>
+            <a:r>
+              <a:rPr lang="en-US" sz="1400" i="1" dirty="0"/>
+              <a:t>);</a:t>
+            </a:r>
+          </a:p>
+          <a:p>
+            <a:r>
+              <a:rPr lang="en-US" sz="1400" dirty="0"/>
+              <a:t>    }</a:t>
+            </a:r>
+          </a:p>
+          <a:p>
+            <a:r>
+              <a:rPr lang="en-US" sz="1400" dirty="0"/>
+              <a:t>    // Called just before this Command runs the first time</a:t>
+            </a:r>
+          </a:p>
+          <a:p>
+            <a:r>
+              <a:rPr lang="en-US" sz="1400" dirty="0"/>
               <a:t>    </a:t>
             </a:r>
             <a:r>
-              <a:rPr lang="en-US" sz="1600" b="1" dirty="0"/>
-              <a:t>if (</a:t>
-            </a:r>
-            <a:r>
-              <a:rPr lang="en-US" sz="1600" b="1" dirty="0" err="1"/>
-              <a:t>isTop</a:t>
-            </a:r>
-            <a:r>
-              <a:rPr lang="en-US" sz="1600" b="1" dirty="0"/>
-              <a:t>() == true) {</a:t>
-            </a:r>
-          </a:p>
-          <a:p>
-            <a:r>
-              <a:rPr lang="en-US" sz="1600" dirty="0"/>
-              <a:t>    	</a:t>
-            </a:r>
-            <a:r>
-              <a:rPr lang="en-US" sz="1600" b="1" dirty="0"/>
-              <a:t>if((</a:t>
-            </a:r>
-            <a:r>
-              <a:rPr lang="en-US" sz="1600" b="1" dirty="0" err="1"/>
-              <a:t>invMotor</a:t>
-            </a:r>
-            <a:r>
-              <a:rPr lang="en-US" sz="1600" b="1" dirty="0"/>
-              <a:t> == true &amp; speed &lt; 0) || (</a:t>
-            </a:r>
-            <a:r>
-              <a:rPr lang="en-US" sz="1600" b="1" dirty="0" err="1"/>
-              <a:t>invMotor</a:t>
-            </a:r>
-            <a:r>
-              <a:rPr lang="en-US" sz="1600" b="1" dirty="0"/>
-              <a:t> == false &amp; speed &gt; 0)) {</a:t>
-            </a:r>
-          </a:p>
-          <a:p>
-            <a:r>
-              <a:rPr lang="en-US" sz="1600" dirty="0"/>
-              <a:t>    		speed = 0;</a:t>
-            </a:r>
-          </a:p>
-          <a:p>
-            <a:r>
-              <a:rPr lang="en-US" sz="1600" dirty="0"/>
-              <a:t>    	}</a:t>
-            </a:r>
-          </a:p>
-          <a:p>
-            <a:r>
-              <a:rPr lang="en-US" sz="1600" dirty="0"/>
-              <a:t>    } </a:t>
-            </a:r>
-            <a:r>
-              <a:rPr lang="en-US" sz="1600" b="1" dirty="0"/>
-              <a:t>else {</a:t>
-            </a:r>
-          </a:p>
-          <a:p>
-            <a:r>
-              <a:rPr lang="en-US" sz="1600" dirty="0"/>
-              <a:t>    	</a:t>
-            </a:r>
-            <a:r>
-              <a:rPr lang="en-US" sz="1600" b="1" dirty="0"/>
-              <a:t>if (</a:t>
-            </a:r>
-            <a:r>
-              <a:rPr lang="en-US" sz="1600" b="1" dirty="0" err="1"/>
-              <a:t>isBottom</a:t>
-            </a:r>
-            <a:r>
-              <a:rPr lang="en-US" sz="1600" b="1" dirty="0"/>
-              <a:t>() == true) {</a:t>
-            </a:r>
-          </a:p>
-          <a:p>
-            <a:r>
-              <a:rPr lang="en-US" sz="1600" dirty="0"/>
-              <a:t>        	</a:t>
-            </a:r>
-            <a:r>
-              <a:rPr lang="en-US" sz="1600" b="1" dirty="0"/>
-              <a:t>if((</a:t>
-            </a:r>
-            <a:r>
-              <a:rPr lang="en-US" sz="1600" b="1" dirty="0" err="1"/>
-              <a:t>invMotor</a:t>
-            </a:r>
-            <a:r>
-              <a:rPr lang="en-US" sz="1600" b="1" dirty="0"/>
-              <a:t> == true &amp; speed &gt; 0) || (</a:t>
-            </a:r>
-            <a:r>
-              <a:rPr lang="en-US" sz="1600" b="1" dirty="0" err="1"/>
-              <a:t>invMotor</a:t>
-            </a:r>
-            <a:r>
-              <a:rPr lang="en-US" sz="1600" b="1" dirty="0"/>
-              <a:t> == false &amp; speed &lt; 0)) {</a:t>
-            </a:r>
-          </a:p>
-          <a:p>
-            <a:r>
-              <a:rPr lang="en-US" sz="1600" dirty="0"/>
-              <a:t>        		speed = 0;</a:t>
-            </a:r>
-          </a:p>
-          <a:p>
-            <a:r>
-              <a:rPr lang="en-US" sz="1600" dirty="0"/>
-              <a:t>        	}</a:t>
-            </a:r>
-          </a:p>
-          <a:p>
-            <a:r>
-              <a:rPr lang="en-US" sz="1600" dirty="0"/>
-              <a:t>    	}</a:t>
-            </a:r>
-          </a:p>
-          <a:p>
-            <a:r>
-              <a:rPr lang="en-US" sz="1600" dirty="0"/>
+              <a:rPr lang="en-US" sz="1400" b="1" dirty="0"/>
+              <a:t>protected void initialize() {</a:t>
+            </a:r>
+          </a:p>
+          <a:p>
+            <a:r>
+              <a:rPr lang="en-US" sz="1400" dirty="0"/>
               <a:t>    }</a:t>
             </a:r>
           </a:p>
           <a:p>
             <a:r>
-              <a:rPr lang="en-US" sz="1600" dirty="0"/>
+              <a:rPr lang="en-US" sz="1400" dirty="0"/>
+              <a:t>    // Called repeatedly when this Command is scheduled to run</a:t>
+            </a:r>
+          </a:p>
+          <a:p>
+            <a:r>
+              <a:rPr lang="en-US" sz="1400" dirty="0"/>
               <a:t>    </a:t>
             </a:r>
-          </a:p>
-          <a:p>
-            <a:r>
-              <a:rPr lang="en-US" sz="1600" dirty="0"/>
+            <a:r>
+              <a:rPr lang="en-US" sz="1400" b="1" dirty="0"/>
+              <a:t>protected void execute() {</a:t>
+            </a:r>
+          </a:p>
+          <a:p>
+            <a:r>
+              <a:rPr lang="en-US" sz="1400" dirty="0"/>
               <a:t>    </a:t>
             </a:r>
             <a:r>
-              <a:rPr lang="en-US" sz="1600" dirty="0" err="1"/>
-              <a:t>armLiftMotor.set</a:t>
-            </a:r>
-            <a:r>
-              <a:rPr lang="en-US" sz="1600" dirty="0"/>
-              <a:t>(speed);</a:t>
-            </a:r>
-          </a:p>
-          <a:p>
-            <a:r>
-              <a:rPr lang="en-US" sz="1600" dirty="0"/>
+              <a:rPr lang="en-US" sz="1400" dirty="0" err="1"/>
+              <a:t>Robot.</a:t>
+            </a:r>
+            <a:r>
+              <a:rPr lang="en-US" sz="1400" i="1" dirty="0" err="1"/>
+              <a:t>armSubSys.moveUp</a:t>
+            </a:r>
+            <a:r>
+              <a:rPr lang="en-US" sz="1400" i="1" dirty="0"/>
+              <a:t>();</a:t>
+            </a:r>
+          </a:p>
+          <a:p>
+            <a:r>
+              <a:rPr lang="en-US" sz="1400" dirty="0"/>
+              <a:t>    }</a:t>
+            </a:r>
+          </a:p>
+          <a:p>
+            <a:r>
+              <a:rPr lang="en-US" sz="1400" dirty="0"/>
+              <a:t>    // Make this return true when this Command no longer needs to run execute()</a:t>
+            </a:r>
+          </a:p>
+          <a:p>
+            <a:r>
+              <a:rPr lang="en-US" sz="1400" dirty="0"/>
               <a:t>    </a:t>
             </a:r>
             <a:r>
-              <a:rPr lang="en-US" sz="1600" dirty="0" err="1"/>
-              <a:t>logArm</a:t>
-            </a:r>
-            <a:r>
-              <a:rPr lang="en-US" sz="1600" dirty="0"/>
+              <a:rPr lang="en-US" sz="1400" b="1" dirty="0"/>
+              <a:t>protected </a:t>
+            </a:r>
+            <a:r>
+              <a:rPr lang="en-US" sz="1400" b="1" dirty="0" err="1"/>
+              <a:t>boolean</a:t>
+            </a:r>
+            <a:r>
+              <a:rPr lang="en-US" sz="1400" b="1" dirty="0"/>
+              <a:t> </a:t>
+            </a:r>
+            <a:r>
+              <a:rPr lang="en-US" sz="1400" b="1" dirty="0" err="1"/>
+              <a:t>isFinished</a:t>
+            </a:r>
+            <a:r>
+              <a:rPr lang="en-US" sz="1400" b="1" dirty="0"/>
+              <a:t>() {</a:t>
+            </a:r>
+          </a:p>
+          <a:p>
+            <a:r>
+              <a:rPr lang="en-US" sz="1400" dirty="0"/>
+              <a:t>    </a:t>
+            </a:r>
+            <a:r>
+              <a:rPr lang="en-US" sz="1400" b="1" dirty="0"/>
+              <a:t>return !</a:t>
+            </a:r>
+            <a:r>
+              <a:rPr lang="en-US" sz="1400" b="1" dirty="0" err="1"/>
+              <a:t>Robot.</a:t>
+            </a:r>
+            <a:r>
+              <a:rPr lang="en-US" sz="1400" b="1" i="1" dirty="0" err="1"/>
+              <a:t>armSubSys.isHome</a:t>
+            </a:r>
+            <a:r>
+              <a:rPr lang="en-US" sz="1400" b="1" i="1" dirty="0"/>
               <a:t>();</a:t>
             </a:r>
           </a:p>
           <a:p>
             <a:r>
-              <a:rPr lang="en-US" sz="1600" dirty="0"/>
+              <a:rPr lang="en-US" sz="1400" dirty="0"/>
+              <a:t>    }</a:t>
+            </a:r>
+          </a:p>
+          <a:p>
+            <a:r>
+              <a:rPr lang="en-US" sz="1400" dirty="0"/>
+              <a:t>    // Called once after </a:t>
+            </a:r>
+            <a:r>
+              <a:rPr lang="en-US" sz="1400" dirty="0" err="1"/>
+              <a:t>isFinished</a:t>
+            </a:r>
+            <a:r>
+              <a:rPr lang="en-US" sz="1400" dirty="0"/>
+              <a:t> returns true</a:t>
+            </a:r>
+          </a:p>
+          <a:p>
+            <a:r>
+              <a:rPr lang="en-US" sz="1400" dirty="0"/>
               <a:t>    </a:t>
             </a:r>
-          </a:p>
-          <a:p>
-            <a:r>
-              <a:rPr lang="en-US" sz="1600" dirty="0"/>
+            <a:r>
+              <a:rPr lang="en-US" sz="1400" b="1" dirty="0"/>
+              <a:t>protected void end() {</a:t>
+            </a:r>
+          </a:p>
+          <a:p>
+            <a:r>
+              <a:rPr lang="en-US" sz="1400" dirty="0"/>
+              <a:t>    </a:t>
+            </a:r>
+            <a:r>
+              <a:rPr lang="en-US" sz="1400" dirty="0" err="1"/>
+              <a:t>Robot.</a:t>
+            </a:r>
+            <a:r>
+              <a:rPr lang="en-US" sz="1400" i="1" dirty="0" err="1"/>
+              <a:t>armSubSys.stopArm</a:t>
+            </a:r>
+            <a:r>
+              <a:rPr lang="en-US" sz="1400" i="1" dirty="0"/>
+              <a:t>();</a:t>
+            </a:r>
+          </a:p>
+          <a:p>
+            <a:r>
+              <a:rPr lang="en-US" sz="1400" dirty="0"/>
+              <a:t>    }</a:t>
+            </a:r>
+          </a:p>
+          <a:p>
+            <a:r>
+              <a:rPr lang="en-US" sz="1400" dirty="0"/>
+              <a:t>    // Called when another command which requires one or more of the same</a:t>
+            </a:r>
+          </a:p>
+          <a:p>
+            <a:r>
+              <a:rPr lang="en-US" sz="1400" dirty="0"/>
+              <a:t>    // subsystems is scheduled to run</a:t>
+            </a:r>
+          </a:p>
+          <a:p>
+            <a:r>
+              <a:rPr lang="en-US" sz="1400" dirty="0"/>
+              <a:t>    </a:t>
+            </a:r>
+            <a:r>
+              <a:rPr lang="en-US" sz="1400" b="1" dirty="0"/>
+              <a:t>protected void interrupted() {</a:t>
+            </a:r>
+          </a:p>
+          <a:p>
+            <a:r>
+              <a:rPr lang="en-US" sz="1400" dirty="0"/>
+              <a:t>    end();</a:t>
+            </a:r>
+          </a:p>
+          <a:p>
+            <a:r>
+              <a:rPr lang="en-US" sz="1400" dirty="0"/>
+              <a:t>    }</a:t>
+            </a:r>
+          </a:p>
+          <a:p>
+            <a:r>
+              <a:rPr lang="en-US" sz="1400" dirty="0"/>
               <a:t>}</a:t>
             </a:r>
           </a:p>
@@ -8931,8 +9087,8 @@
         </p:nvSpPr>
         <p:spPr>
           <a:xfrm>
-            <a:off x="8389620" y="1194431"/>
-            <a:ext cx="3035027" cy="4247317"/>
+            <a:off x="7052310" y="754380"/>
+            <a:ext cx="4371903" cy="5078313"/>
           </a:xfrm>
           <a:prstGeom prst="rect">
             <a:avLst/>
@@ -8947,11 +9103,60 @@
           <a:p>
             <a:r>
               <a:rPr lang="en-US" dirty="0" err="1"/>
+              <a:t>ArmOffHome</a:t>
+            </a:r>
+            <a:r>
+              <a:rPr lang="en-US" dirty="0"/>
+              <a:t> command</a:t>
+            </a:r>
+          </a:p>
+          <a:p>
+            <a:endParaRPr lang="en-US" dirty="0"/>
+          </a:p>
+          <a:p>
+            <a:r>
+              <a:rPr lang="en-US" dirty="0"/>
+              <a:t>Housekeeping code</a:t>
+            </a:r>
+          </a:p>
+          <a:p>
+            <a:r>
+              <a:rPr lang="en-US" dirty="0"/>
+              <a:t>	requires – only one command at a time may use a subsystem.</a:t>
+            </a:r>
+          </a:p>
+          <a:p>
+            <a:endParaRPr lang="en-US" dirty="0"/>
+          </a:p>
+          <a:p>
+            <a:r>
+              <a:rPr lang="en-US" dirty="0"/>
+              <a:t>This command invokes the </a:t>
+            </a:r>
+            <a:r>
+              <a:rPr lang="en-US" dirty="0" err="1"/>
+              <a:t>moveUp</a:t>
+            </a:r>
+            <a:r>
+              <a:rPr lang="en-US" dirty="0"/>
+              <a:t> method until it is NOT on the home position limit switch.</a:t>
+            </a:r>
+          </a:p>
+          <a:p>
+            <a:endParaRPr lang="en-US" dirty="0"/>
+          </a:p>
+          <a:p>
+            <a:r>
+              <a:rPr lang="en-US" dirty="0"/>
+              <a:t>At end, it stops the arm motor.  Another specifically named command.  It could also invoke the </a:t>
+            </a:r>
+            <a:r>
+              <a:rPr lang="en-US" dirty="0" err="1"/>
               <a:t>moveArm</a:t>
             </a:r>
             <a:r>
               <a:rPr lang="en-US" dirty="0"/>
-              <a:t> method is given a “speed” value of type double.</a:t>
+              <a:t> with a speed of zero.</a:t>
             </a:r>
           </a:p>
           <a:p>
@@ -8960,15 +9165,7 @@
           <a:p>
             <a:r>
               <a:rPr lang="en-US" dirty="0"/>
-              <a:t>It checks the top and bottom limit </a:t>
-            </a:r>
-            <a:r>
-              <a:rPr lang="en-US" dirty="0" err="1"/>
-              <a:t>switchs</a:t>
-            </a:r>
-            <a:r>
-              <a:rPr lang="en-US" dirty="0"/>
-              <a:t> along with the direction of travel and sets the speed to zero if motion needs to be stopped.</a:t>
+              <a:t>What are the advantages to either way?</a:t>
             </a:r>
           </a:p>
           <a:p>
@@ -8977,28 +9174,7 @@
           <a:p>
             <a:r>
               <a:rPr lang="en-US" dirty="0"/>
-              <a:t>The validated speed is passed to the </a:t>
-            </a:r>
-            <a:r>
-              <a:rPr lang="en-US" dirty="0" err="1"/>
-              <a:t>armLiftMotor.set</a:t>
-            </a:r>
-            <a:r>
-              <a:rPr lang="en-US" dirty="0"/>
-              <a:t> method to drive the speed controller.</a:t>
-            </a:r>
-          </a:p>
-          <a:p>
-            <a:endParaRPr lang="en-US" dirty="0"/>
-          </a:p>
-          <a:p>
-            <a:r>
-              <a:rPr lang="en-US" dirty="0" err="1"/>
-              <a:t>logArm</a:t>
-            </a:r>
-            <a:r>
-              <a:rPr lang="en-US" dirty="0"/>
-              <a:t> sends telemetry to the dashboard.</a:t>
+              <a:t>Note that if interrupted, it will still stop the motor.</a:t>
             </a:r>
           </a:p>
         </p:txBody>
@@ -9006,7 +9182,7 @@
     </p:spTree>
     <p:extLst>
       <p:ext uri="{BB962C8B-B14F-4D97-AF65-F5344CB8AC3E}">
-        <p14:creationId xmlns:p14="http://schemas.microsoft.com/office/powerpoint/2010/main" val="2476273519"/>
+        <p14:creationId xmlns:p14="http://schemas.microsoft.com/office/powerpoint/2010/main" val="1545355775"/>
       </p:ext>
     </p:extLst>
   </p:cSld>
@@ -9041,8 +9217,8 @@
         </p:nvSpPr>
         <p:spPr>
           <a:xfrm>
-            <a:off x="993422" y="767644"/>
-            <a:ext cx="5874557" cy="5478423"/>
+            <a:off x="857955" y="664070"/>
+            <a:ext cx="6061211" cy="5262979"/>
           </a:xfrm>
           <a:prstGeom prst="rect">
             <a:avLst/>
@@ -9066,7 +9242,7 @@
             </a:r>
             <a:r>
               <a:rPr lang="en-US" sz="1400" b="1" dirty="0" err="1"/>
-              <a:t>JoystickArmMove</a:t>
+              <a:t>ArmSetHome</a:t>
             </a:r>
             <a:r>
               <a:rPr lang="en-US" sz="1400" b="1" dirty="0"/>
@@ -9084,7 +9260,7 @@
             </a:r>
             <a:r>
               <a:rPr lang="en-US" sz="1400" b="1" dirty="0" err="1"/>
-              <a:t>JoystickArmMove</a:t>
+              <a:t>ArmSetHome</a:t>
             </a:r>
             <a:r>
               <a:rPr lang="en-US" sz="1400" b="1" dirty="0"/>
@@ -9117,8 +9293,20 @@
           </a:p>
           <a:p>
             <a:r>
+              <a:rPr lang="en-US" sz="1400" b="1" dirty="0"/>
+              <a:t>   protected void initialize() {</a:t>
+            </a:r>
+          </a:p>
+          <a:p>
+            <a:r>
               <a:rPr lang="en-US" sz="1400" dirty="0"/>
-              <a:t>    // Called just before this Command runs the first time</a:t>
+              <a:t>    }</a:t>
+            </a:r>
+          </a:p>
+          <a:p>
+            <a:r>
+              <a:rPr lang="en-US" sz="1400" dirty="0"/>
+              <a:t>    // Called repeatedly when this Command is scheduled to run</a:t>
             </a:r>
           </a:p>
           <a:p>
@@ -9128,7 +9316,25 @@
             </a:r>
             <a:r>
               <a:rPr lang="en-US" sz="1400" b="1" dirty="0"/>
-              <a:t>protected void initialize() {</a:t>
+              <a:t>protected void execute() {</a:t>
+            </a:r>
+          </a:p>
+          <a:p>
+            <a:r>
+              <a:rPr lang="en-US" sz="1400" dirty="0"/>
+              <a:t>      </a:t>
+            </a:r>
+            <a:r>
+              <a:rPr lang="en-US" sz="1400" dirty="0" err="1"/>
+              <a:t>Robot.</a:t>
+            </a:r>
+            <a:r>
+              <a:rPr lang="en-US" sz="1400" i="1" dirty="0" err="1"/>
+              <a:t>armSubSys.moveDown</a:t>
+            </a:r>
+            <a:r>
+              <a:rPr lang="en-US" sz="1400" i="1" dirty="0"/>
+              <a:t>();</a:t>
             </a:r>
           </a:p>
           <a:p>
@@ -9140,7 +9346,7 @@
           <a:p>
             <a:r>
               <a:rPr lang="en-US" sz="1400" dirty="0"/>
-              <a:t>    // Called repeatedly when this Command is scheduled to run</a:t>
+              <a:t>    // Make this return true when this Command no longer needs to run execute()</a:t>
             </a:r>
           </a:p>
           <a:p>
@@ -9150,13 +9356,51 @@
             </a:r>
             <a:r>
               <a:rPr lang="en-US" sz="1400" b="1" dirty="0"/>
-              <a:t>protected void execute() {</a:t>
+              <a:t>protected </a:t>
+            </a:r>
+            <a:r>
+              <a:rPr lang="en-US" sz="1400" b="1" dirty="0" err="1"/>
+              <a:t>boolean</a:t>
+            </a:r>
+            <a:r>
+              <a:rPr lang="en-US" sz="1400" b="1" dirty="0"/>
+              <a:t> </a:t>
+            </a:r>
+            <a:r>
+              <a:rPr lang="en-US" sz="1400" b="1" dirty="0" err="1"/>
+              <a:t>isFinished</a:t>
+            </a:r>
+            <a:r>
+              <a:rPr lang="en-US" sz="1400" b="1" dirty="0"/>
+              <a:t>() {</a:t>
             </a:r>
           </a:p>
           <a:p>
             <a:r>
               <a:rPr lang="en-US" sz="1400" dirty="0"/>
-              <a:t>    	</a:t>
+              <a:t>	    </a:t>
+            </a:r>
+            <a:r>
+              <a:rPr lang="en-US" sz="1400" b="1" dirty="0"/>
+              <a:t>if (</a:t>
+            </a:r>
+            <a:r>
+              <a:rPr lang="en-US" sz="1400" b="1" dirty="0" err="1"/>
+              <a:t>Robot.</a:t>
+            </a:r>
+            <a:r>
+              <a:rPr lang="en-US" sz="1400" b="1" i="1" dirty="0" err="1"/>
+              <a:t>armSubSys.isHome</a:t>
+            </a:r>
+            <a:r>
+              <a:rPr lang="en-US" sz="1400" b="1" i="1" dirty="0"/>
+              <a:t>()) {</a:t>
+            </a:r>
+          </a:p>
+          <a:p>
+            <a:r>
+              <a:rPr lang="en-US" sz="1400" dirty="0"/>
+              <a:t>	        </a:t>
             </a:r>
             <a:r>
               <a:rPr lang="en-US" sz="1400" dirty="0" err="1"/>
@@ -9164,11 +9408,47 @@
             </a:r>
             <a:r>
               <a:rPr lang="en-US" sz="1400" i="1" dirty="0" err="1"/>
-              <a:t>armSubSys.moveArm</a:t>
+              <a:t>armSubSys.newHomePID</a:t>
             </a:r>
             <a:r>
               <a:rPr lang="en-US" sz="1400" i="1" dirty="0"/>
-              <a:t>(Robot.oi.joystick1.getY());</a:t>
+              <a:t>();</a:t>
+            </a:r>
+          </a:p>
+          <a:p>
+            <a:r>
+              <a:rPr lang="en-US" sz="1400" dirty="0"/>
+              <a:t>	    }</a:t>
+            </a:r>
+          </a:p>
+          <a:p>
+            <a:r>
+              <a:rPr lang="en-US" sz="1400" dirty="0"/>
+              <a:t>	    </a:t>
+            </a:r>
+            <a:r>
+              <a:rPr lang="en-US" sz="1400" b="1" dirty="0"/>
+              <a:t>return </a:t>
+            </a:r>
+            <a:r>
+              <a:rPr lang="en-US" sz="1400" b="1" dirty="0" err="1"/>
+              <a:t>Robot.</a:t>
+            </a:r>
+            <a:r>
+              <a:rPr lang="en-US" sz="1400" b="1" i="1" dirty="0" err="1"/>
+              <a:t>armSubSys.isHome</a:t>
+            </a:r>
+            <a:r>
+              <a:rPr lang="en-US" sz="1400" b="1" i="1" dirty="0"/>
+              <a:t>() || </a:t>
+            </a:r>
+            <a:r>
+              <a:rPr lang="en-US" sz="1400" b="1" i="1" dirty="0" err="1"/>
+              <a:t>Robot.armSubSys.isBottom</a:t>
+            </a:r>
+            <a:r>
+              <a:rPr lang="en-US" sz="1400" b="1" i="1" dirty="0"/>
+              <a:t>();</a:t>
             </a:r>
           </a:p>
           <a:p>
@@ -9179,44 +9459,26 @@
           </a:p>
           <a:p>
             <a:r>
+              <a:rPr lang="en-US" sz="1400" b="1" dirty="0"/>
+              <a:t>    protected void end() {</a:t>
+            </a:r>
+          </a:p>
+          <a:p>
+            <a:r>
               <a:rPr lang="en-US" sz="1400" dirty="0"/>
-              <a:t>    // Make this return true when this Command no longer needs to run execute()</a:t>
-            </a:r>
-          </a:p>
-          <a:p>
-            <a:r>
-              <a:rPr lang="en-US" sz="1400" dirty="0"/>
-              <a:t>    </a:t>
-            </a:r>
-            <a:r>
-              <a:rPr lang="en-US" sz="1400" b="1" dirty="0"/>
-              <a:t>protected </a:t>
-            </a:r>
-            <a:r>
-              <a:rPr lang="en-US" sz="1400" b="1" dirty="0" err="1"/>
-              <a:t>boolean</a:t>
-            </a:r>
-            <a:r>
-              <a:rPr lang="en-US" sz="1400" b="1" dirty="0"/>
-              <a:t> </a:t>
-            </a:r>
-            <a:r>
-              <a:rPr lang="en-US" sz="1400" b="1" dirty="0" err="1"/>
-              <a:t>isFinished</a:t>
-            </a:r>
-            <a:r>
-              <a:rPr lang="en-US" sz="1400" b="1" dirty="0"/>
-              <a:t>() {</a:t>
-            </a:r>
-          </a:p>
-          <a:p>
-            <a:r>
-              <a:rPr lang="en-US" sz="1400" dirty="0"/>
-              <a:t>        </a:t>
-            </a:r>
-            <a:r>
-              <a:rPr lang="en-US" sz="1400" b="1" dirty="0"/>
-              <a:t>return false;</a:t>
+              <a:t>   	 </a:t>
+            </a:r>
+            <a:r>
+              <a:rPr lang="en-US" sz="1400" dirty="0" err="1"/>
+              <a:t>Robot.</a:t>
+            </a:r>
+            <a:r>
+              <a:rPr lang="en-US" sz="1400" i="1" dirty="0" err="1"/>
+              <a:t>armSubSys.stopArm</a:t>
+            </a:r>
+            <a:r>
+              <a:rPr lang="en-US" sz="1400" i="1" dirty="0"/>
+              <a:t>();</a:t>
             </a:r>
           </a:p>
           <a:p>
@@ -9227,44 +9489,14 @@
           </a:p>
           <a:p>
             <a:r>
+              <a:rPr lang="en-US" sz="1400" b="1" dirty="0"/>
+              <a:t>    protected void interrupted() {</a:t>
+            </a:r>
+          </a:p>
+          <a:p>
+            <a:r>
               <a:rPr lang="en-US" sz="1400" dirty="0"/>
-              <a:t>    // Called once after </a:t>
-            </a:r>
-            <a:r>
-              <a:rPr lang="en-US" sz="1400" dirty="0" err="1"/>
-              <a:t>isFinished</a:t>
-            </a:r>
-            <a:r>
-              <a:rPr lang="en-US" sz="1400" dirty="0"/>
-              <a:t> returns true</a:t>
-            </a:r>
-          </a:p>
-          <a:p>
-            <a:r>
-              <a:rPr lang="en-US" sz="1400" dirty="0"/>
-              <a:t>    </a:t>
-            </a:r>
-            <a:r>
-              <a:rPr lang="en-US" sz="1400" b="1" dirty="0"/>
-              <a:t>protected void end() {</a:t>
-            </a:r>
-          </a:p>
-          <a:p>
-            <a:r>
-              <a:rPr lang="en-US" sz="1400" dirty="0"/>
-              <a:t>    	</a:t>
-            </a:r>
-            <a:r>
-              <a:rPr lang="en-US" sz="1400" dirty="0" err="1"/>
-              <a:t>Robot.</a:t>
-            </a:r>
-            <a:r>
-              <a:rPr lang="en-US" sz="1400" i="1" dirty="0" err="1"/>
-              <a:t>armSubSys.stopArm</a:t>
-            </a:r>
-            <a:r>
-              <a:rPr lang="en-US" sz="1400" i="1" dirty="0"/>
-              <a:t>();</a:t>
+              <a:t>    	end();</a:t>
             </a:r>
           </a:p>
           <a:p>
@@ -9276,43 +9508,8 @@
           <a:p>
             <a:r>
               <a:rPr lang="en-US" sz="1400" dirty="0"/>
-              <a:t>    // Called when another command which requires one or more of the same</a:t>
-            </a:r>
-          </a:p>
-          <a:p>
-            <a:r>
-              <a:rPr lang="en-US" sz="1400" dirty="0"/>
-              <a:t>    // subsystems is scheduled to run</a:t>
-            </a:r>
-          </a:p>
-          <a:p>
-            <a:r>
-              <a:rPr lang="en-US" sz="1400" dirty="0"/>
-              <a:t>    </a:t>
-            </a:r>
-            <a:r>
-              <a:rPr lang="en-US" sz="1400" b="1" dirty="0"/>
-              <a:t>protected void interrupted() {</a:t>
-            </a:r>
-          </a:p>
-          <a:p>
-            <a:r>
-              <a:rPr lang="en-US" sz="1400" dirty="0"/>
-              <a:t>    	end();</a:t>
-            </a:r>
-          </a:p>
-          <a:p>
-            <a:r>
-              <a:rPr lang="en-US" sz="1400" dirty="0"/>
-              <a:t>    }</a:t>
-            </a:r>
-          </a:p>
-          <a:p>
-            <a:r>
-              <a:rPr lang="en-US" sz="1400" dirty="0"/>
               <a:t>}</a:t>
             </a:r>
-            <a:endParaRPr lang="en-US" dirty="0"/>
           </a:p>
         </p:txBody>
       </p:sp>
@@ -9340,7 +9537,7 @@
           <a:p>
             <a:r>
               <a:rPr lang="en-US" dirty="0" err="1"/>
-              <a:t>JoystickArmMove</a:t>
+              <a:t>ArmSetHome</a:t>
             </a:r>
             <a:r>
               <a:rPr lang="en-US" dirty="0"/>
@@ -9351,32 +9548,20 @@
             <a:endParaRPr lang="en-US" dirty="0"/>
           </a:p>
           <a:p>
-            <a:r>
-              <a:rPr lang="en-US" dirty="0"/>
-              <a:t>Housekeeping code</a:t>
-            </a:r>
-          </a:p>
-          <a:p>
-            <a:r>
-              <a:rPr lang="en-US" dirty="0"/>
-              <a:t>	requires – only one command at a time may use a subsystem.</a:t>
-            </a:r>
-          </a:p>
-          <a:p>
             <a:endParaRPr lang="en-US" dirty="0"/>
           </a:p>
           <a:p>
             <a:r>
               <a:rPr lang="en-US" dirty="0"/>
-              <a:t>This command passes the joystick Y axis (forward/backward) directly through to the subsystem </a:t>
+              <a:t>This command invokes the move Down method until it is either on the Home or the Bottom switch.  (Checking the bottom is a safety escape just in case it was already below the home switch when </a:t>
             </a:r>
             <a:r>
               <a:rPr lang="en-US" dirty="0" err="1"/>
-              <a:t>moveArm</a:t>
-            </a:r>
-            <a:r>
-              <a:rPr lang="en-US" dirty="0"/>
-              <a:t> method.  NOTE that the object name is used, not the class name</a:t>
+              <a:t>moveDown</a:t>
+            </a:r>
+            <a:r>
+              <a:rPr lang="en-US" dirty="0"/>
+              <a:t> was invoked – otherwise the command would continue until interrupted.)</a:t>
             </a:r>
           </a:p>
           <a:p>
@@ -9385,20 +9570,15 @@
           <a:p>
             <a:r>
               <a:rPr lang="en-US" dirty="0"/>
-              <a:t>The methods shown are standard for all commands, and we’ll dig more into what they’re used for in </a:t>
-            </a:r>
-            <a:r>
-              <a:rPr lang="en-US"/>
-              <a:t>later examples.</a:t>
-            </a:r>
-            <a:endParaRPr lang="en-US" dirty="0"/>
+              <a:t>When the Home switch is detected it invokes a method that we’ll look at in part 3 of this system.</a:t>
+            </a:r>
           </a:p>
         </p:txBody>
       </p:sp>
     </p:spTree>
     <p:extLst>
       <p:ext uri="{BB962C8B-B14F-4D97-AF65-F5344CB8AC3E}">
-        <p14:creationId xmlns:p14="http://schemas.microsoft.com/office/powerpoint/2010/main" val="1545355775"/>
+        <p14:creationId xmlns:p14="http://schemas.microsoft.com/office/powerpoint/2010/main" val="41683321"/>
       </p:ext>
     </p:extLst>
   </p:cSld>
@@ -9427,124 +9607,362 @@
       </p:grpSpPr>
       <p:sp>
         <p:nvSpPr>
-          <p:cNvPr id="2" name="Title 1"/>
-          <p:cNvSpPr>
-            <a:spLocks noGrp="1"/>
-          </p:cNvSpPr>
-          <p:nvPr>
-            <p:ph type="ctrTitle"/>
-          </p:nvPr>
+          <p:cNvPr id="2" name="TextBox 1"/>
+          <p:cNvSpPr txBox="1"/>
+          <p:nvPr/>
         </p:nvSpPr>
         <p:spPr>
           <a:xfrm>
-            <a:off x="1524000" y="1122363"/>
-            <a:ext cx="9144000" cy="1110474"/>
+            <a:off x="857955" y="664070"/>
+            <a:ext cx="5138651" cy="5786199"/>
           </a:xfrm>
+          <a:prstGeom prst="rect">
+            <a:avLst/>
+          </a:prstGeom>
+          <a:noFill/>
+          <a:ln>
+            <a:solidFill>
+              <a:schemeClr val="accent1"/>
+            </a:solidFill>
+          </a:ln>
         </p:spPr>
         <p:txBody>
-          <a:bodyPr/>
+          <a:bodyPr wrap="none" rtlCol="0">
+            <a:spAutoFit/>
+          </a:bodyPr>
           <a:lstStyle/>
           <a:p>
             <a:r>
-              <a:rPr lang="en-US" dirty="0"/>
-              <a:t>EXERCISES</a:t>
-            </a:r>
-          </a:p>
-        </p:txBody>
-      </p:sp>
-      <p:sp>
-        <p:nvSpPr>
-          <p:cNvPr id="3" name="Subtitle 2"/>
-          <p:cNvSpPr>
-            <a:spLocks noGrp="1"/>
-          </p:cNvSpPr>
-          <p:nvPr>
-            <p:ph type="subTitle" idx="1"/>
-          </p:nvPr>
+              <a:rPr lang="en-US" b="1" dirty="0"/>
+              <a:t>public class </a:t>
+            </a:r>
+            <a:r>
+              <a:rPr lang="en-US" b="1" dirty="0" err="1"/>
+              <a:t>HomeArm</a:t>
+            </a:r>
+            <a:r>
+              <a:rPr lang="en-US" b="1" dirty="0"/>
+              <a:t> extends </a:t>
+            </a:r>
+            <a:r>
+              <a:rPr lang="en-US" b="1" dirty="0" err="1"/>
+              <a:t>CommandGroup</a:t>
+            </a:r>
+            <a:r>
+              <a:rPr lang="en-US" b="1" dirty="0"/>
+              <a:t> {</a:t>
+            </a:r>
+          </a:p>
+          <a:p>
+            <a:r>
+              <a:rPr lang="en-US" dirty="0"/>
+              <a:t>    </a:t>
+            </a:r>
+          </a:p>
+          <a:p>
+            <a:r>
+              <a:rPr lang="en-US" dirty="0"/>
+              <a:t>    </a:t>
+            </a:r>
+            <a:r>
+              <a:rPr lang="en-US" b="1" dirty="0"/>
+              <a:t>public  </a:t>
+            </a:r>
+            <a:r>
+              <a:rPr lang="en-US" b="1" dirty="0" err="1"/>
+              <a:t>HomeArm</a:t>
+            </a:r>
+            <a:r>
+              <a:rPr lang="en-US" b="1" dirty="0"/>
+              <a:t>() {</a:t>
+            </a:r>
+          </a:p>
+          <a:p>
+            <a:endParaRPr lang="en-US" dirty="0"/>
+          </a:p>
+          <a:p>
+            <a:r>
+              <a:rPr lang="en-US" dirty="0"/>
+              <a:t>    requires(</a:t>
+            </a:r>
+            <a:r>
+              <a:rPr lang="en-US" dirty="0" err="1"/>
+              <a:t>Robot.</a:t>
+            </a:r>
+            <a:r>
+              <a:rPr lang="en-US" i="1" dirty="0" err="1"/>
+              <a:t>armSubSys</a:t>
+            </a:r>
+            <a:r>
+              <a:rPr lang="en-US" i="1" dirty="0"/>
+              <a:t>);</a:t>
+            </a:r>
+          </a:p>
+          <a:p>
+            <a:r>
+              <a:rPr lang="en-US" dirty="0"/>
+              <a:t>    </a:t>
+            </a:r>
+          </a:p>
+          <a:p>
+            <a:r>
+              <a:rPr lang="en-US" dirty="0"/>
+              <a:t>    </a:t>
+            </a:r>
+            <a:r>
+              <a:rPr lang="en-US" dirty="0" err="1"/>
+              <a:t>addSequential</a:t>
+            </a:r>
+            <a:r>
+              <a:rPr lang="en-US" dirty="0"/>
+              <a:t>(</a:t>
+            </a:r>
+            <a:r>
+              <a:rPr lang="en-US" b="1" dirty="0"/>
+              <a:t>new </a:t>
+            </a:r>
+            <a:r>
+              <a:rPr lang="en-US" b="1" dirty="0" err="1"/>
+              <a:t>ArmOffHome</a:t>
+            </a:r>
+            <a:r>
+              <a:rPr lang="en-US" b="1" dirty="0"/>
+              <a:t>());</a:t>
+            </a:r>
+          </a:p>
+          <a:p>
+            <a:r>
+              <a:rPr lang="en-US" dirty="0"/>
+              <a:t>    </a:t>
+            </a:r>
+            <a:r>
+              <a:rPr lang="en-US" dirty="0" err="1"/>
+              <a:t>addSequential</a:t>
+            </a:r>
+            <a:r>
+              <a:rPr lang="en-US" dirty="0"/>
+              <a:t>(</a:t>
+            </a:r>
+            <a:r>
+              <a:rPr lang="en-US" b="1" dirty="0"/>
+              <a:t>new </a:t>
+            </a:r>
+            <a:r>
+              <a:rPr lang="en-US" b="1" dirty="0" err="1"/>
+              <a:t>ArmSetHome</a:t>
+            </a:r>
+            <a:r>
+              <a:rPr lang="en-US" b="1" dirty="0"/>
+              <a:t>());</a:t>
+            </a:r>
+          </a:p>
+          <a:p>
+            <a:endParaRPr lang="en-US" dirty="0"/>
+          </a:p>
+          <a:p>
+            <a:r>
+              <a:rPr lang="en-US" dirty="0"/>
+              <a:t>    }</a:t>
+            </a:r>
+          </a:p>
+          <a:p>
+            <a:r>
+              <a:rPr lang="en-US" dirty="0"/>
+              <a:t>}</a:t>
+            </a:r>
+          </a:p>
+          <a:p>
+            <a:endParaRPr lang="en-US" sz="1400" dirty="0"/>
+          </a:p>
+          <a:p>
+            <a:r>
+              <a:rPr lang="en-US" b="1" dirty="0"/>
+              <a:t>public class Robot extends </a:t>
+            </a:r>
+            <a:r>
+              <a:rPr lang="en-US" b="1" dirty="0" err="1"/>
+              <a:t>IterativeRobot</a:t>
+            </a:r>
+            <a:r>
+              <a:rPr lang="en-US" b="1" dirty="0"/>
+              <a:t> {</a:t>
+            </a:r>
+          </a:p>
+          <a:p>
+            <a:r>
+              <a:rPr lang="en-US" b="1" dirty="0"/>
+              <a:t>public void </a:t>
+            </a:r>
+            <a:r>
+              <a:rPr lang="en-US" b="1" dirty="0" err="1"/>
+              <a:t>robotInit</a:t>
+            </a:r>
+            <a:r>
+              <a:rPr lang="en-US" b="1" dirty="0"/>
+              <a:t>() {</a:t>
+            </a:r>
+          </a:p>
+          <a:p>
+            <a:r>
+              <a:rPr lang="en-US" dirty="0"/>
+              <a:t>    </a:t>
+            </a:r>
+          </a:p>
+          <a:p>
+            <a:r>
+              <a:rPr lang="en-US" dirty="0"/>
+              <a:t>    </a:t>
+            </a:r>
+            <a:r>
+              <a:rPr lang="en-US" dirty="0" err="1"/>
+              <a:t>RobotMap.</a:t>
+            </a:r>
+            <a:r>
+              <a:rPr lang="en-US" i="1" dirty="0" err="1"/>
+              <a:t>init</a:t>
+            </a:r>
+            <a:r>
+              <a:rPr lang="en-US" i="1" dirty="0"/>
+              <a:t>();</a:t>
+            </a:r>
+          </a:p>
+          <a:p>
+            <a:r>
+              <a:rPr lang="en-US" dirty="0"/>
+              <a:t>        </a:t>
+            </a:r>
+            <a:r>
+              <a:rPr lang="en-US" i="1" dirty="0" err="1"/>
+              <a:t>armSubSys</a:t>
+            </a:r>
+            <a:r>
+              <a:rPr lang="en-US" i="1" dirty="0"/>
+              <a:t> = </a:t>
+            </a:r>
+            <a:r>
+              <a:rPr lang="en-US" b="1" i="1" dirty="0"/>
+              <a:t>new </a:t>
+            </a:r>
+            <a:r>
+              <a:rPr lang="en-US" b="1" i="1" dirty="0" err="1"/>
+              <a:t>ArmLinearActuator</a:t>
+            </a:r>
+            <a:r>
+              <a:rPr lang="en-US" b="1" i="1" dirty="0"/>
+              <a:t>();</a:t>
+            </a:r>
+          </a:p>
+          <a:p>
+            <a:r>
+              <a:rPr lang="en-US" i="1" dirty="0"/>
+              <a:t>	oi = </a:t>
+            </a:r>
+            <a:r>
+              <a:rPr lang="en-US" b="1" i="1" dirty="0"/>
+              <a:t>new OI();</a:t>
+            </a:r>
+          </a:p>
+          <a:p>
+            <a:r>
+              <a:rPr lang="en-US" dirty="0"/>
+              <a:t>        </a:t>
+            </a:r>
+            <a:r>
+              <a:rPr lang="en-US" dirty="0" err="1"/>
+              <a:t>autonomousCommand</a:t>
+            </a:r>
+            <a:r>
+              <a:rPr lang="en-US" dirty="0"/>
+              <a:t> = </a:t>
+            </a:r>
+            <a:r>
+              <a:rPr lang="en-US" b="1" dirty="0"/>
+              <a:t>new </a:t>
+            </a:r>
+            <a:r>
+              <a:rPr lang="en-US" b="1" dirty="0" err="1"/>
+              <a:t>HomeArm</a:t>
+            </a:r>
+            <a:r>
+              <a:rPr lang="en-US" b="1" dirty="0"/>
+              <a:t>();</a:t>
+            </a:r>
+          </a:p>
+          <a:p>
+            <a:r>
+              <a:rPr lang="en-US" dirty="0"/>
+              <a:t>}</a:t>
+            </a:r>
+          </a:p>
+          <a:p>
+            <a:endParaRPr lang="en-US" sz="1400" dirty="0"/>
+          </a:p>
+        </p:txBody>
+      </p:sp>
+      <p:sp>
+        <p:nvSpPr>
+          <p:cNvPr id="4" name="TextBox 3"/>
+          <p:cNvSpPr txBox="1"/>
+          <p:nvPr/>
         </p:nvSpPr>
         <p:spPr>
           <a:xfrm>
-            <a:off x="1524000" y="2040926"/>
-            <a:ext cx="9144000" cy="4055074"/>
+            <a:off x="6435090" y="765810"/>
+            <a:ext cx="4760523" cy="3970318"/>
           </a:xfrm>
+          <a:prstGeom prst="rect">
+            <a:avLst/>
+          </a:prstGeom>
+          <a:noFill/>
         </p:spPr>
         <p:txBody>
-          <a:bodyPr>
-            <a:normAutofit/>
+          <a:bodyPr wrap="square" rtlCol="0">
+            <a:spAutoFit/>
           </a:bodyPr>
           <a:lstStyle/>
           <a:p>
             <a:r>
-              <a:rPr lang="en-US" sz="3600" dirty="0"/>
-              <a:t>Arm System</a:t>
-            </a:r>
-          </a:p>
-          <a:p>
-            <a:r>
-              <a:rPr lang="en-US" dirty="0"/>
-              <a:t>Initialize (replace current autonomous)</a:t>
-            </a:r>
-          </a:p>
-          <a:p>
-            <a:r>
-              <a:rPr lang="en-US" dirty="0"/>
-              <a:t>Fix </a:t>
-            </a:r>
-            <a:r>
               <a:rPr lang="en-US" dirty="0" err="1"/>
-              <a:t>isOnTarget</a:t>
-            </a:r>
-            <a:r>
-              <a:rPr lang="en-US" dirty="0"/>
-              <a:t> logic</a:t>
-            </a:r>
-          </a:p>
-          <a:p>
-            <a:r>
-              <a:rPr lang="en-US" dirty="0"/>
-              <a:t>Capture </a:t>
+              <a:t>HomeArm</a:t>
+            </a:r>
+            <a:r>
+              <a:rPr lang="en-US" dirty="0"/>
+              <a:t> command group (list of commands done in sequence or parallel)</a:t>
+            </a:r>
+          </a:p>
+          <a:p>
+            <a:endParaRPr lang="en-US" dirty="0"/>
+          </a:p>
+          <a:p>
+            <a:r>
+              <a:rPr lang="en-US" dirty="0"/>
+              <a:t>This command group is defined for use in autonomous phase of the </a:t>
             </a:r>
             <a:r>
               <a:rPr lang="en-US" dirty="0" err="1"/>
-              <a:t>Setpoint</a:t>
-            </a:r>
-            <a:r>
-              <a:rPr lang="en-US" dirty="0"/>
-              <a:t> Values into Table</a:t>
-            </a:r>
-          </a:p>
-          <a:p>
-            <a:r>
-              <a:rPr lang="en-US" dirty="0"/>
-              <a:t>Read </a:t>
-            </a:r>
-            <a:r>
-              <a:rPr lang="en-US" dirty="0" err="1"/>
-              <a:t>Setpoint</a:t>
-            </a:r>
-            <a:r>
-              <a:rPr lang="en-US" dirty="0"/>
-              <a:t> Table from File</a:t>
-            </a:r>
-          </a:p>
-          <a:p>
-            <a:r>
-              <a:rPr lang="en-US" dirty="0"/>
-              <a:t>Save </a:t>
-            </a:r>
-            <a:r>
-              <a:rPr lang="en-US" dirty="0" err="1"/>
-              <a:t>Setpoint</a:t>
-            </a:r>
-            <a:r>
-              <a:rPr lang="en-US" dirty="0"/>
-              <a:t> Table to File</a:t>
-            </a:r>
-          </a:p>
-          <a:p>
-            <a:r>
-              <a:rPr lang="en-US" dirty="0"/>
-              <a:t>How would you handle two linear actuators?</a:t>
+              <a:t>competion</a:t>
+            </a:r>
+            <a:r>
+              <a:rPr lang="en-US" dirty="0"/>
+              <a:t>.</a:t>
+            </a:r>
+          </a:p>
+          <a:p>
+            <a:endParaRPr lang="en-US" dirty="0"/>
+          </a:p>
+          <a:p>
+            <a:r>
+              <a:rPr lang="en-US" dirty="0"/>
+              <a:t>Robot is the base class for all FRC robots and includes the methods invoked by the various states of the robot as supported by the Driver’s Station and Competition Field System.</a:t>
+            </a:r>
+          </a:p>
+          <a:p>
+            <a:endParaRPr lang="en-US" dirty="0"/>
+          </a:p>
+          <a:p>
+            <a:r>
+              <a:rPr lang="en-US" dirty="0"/>
+              <a:t>But – this is not a good place for this particular function.  Homing mechanisms should be done at power-up, not when we’re trying to score points!</a:t>
             </a:r>
           </a:p>
         </p:txBody>
@@ -9552,7 +9970,7 @@
     </p:spTree>
     <p:extLst>
       <p:ext uri="{BB962C8B-B14F-4D97-AF65-F5344CB8AC3E}">
-        <p14:creationId xmlns:p14="http://schemas.microsoft.com/office/powerpoint/2010/main" val="732886656"/>
+        <p14:creationId xmlns:p14="http://schemas.microsoft.com/office/powerpoint/2010/main" val="2388948427"/>
       </p:ext>
     </p:extLst>
   </p:cSld>
